--- a/DsDotNet/src/UnitTest/UnitTest.Model/ImportOfficeExample/Sample/test.pptx
+++ b/DsDotNet/src/UnitTest/UnitTest.Model/ImportOfficeExample/Sample/test.pptx
@@ -13452,6 +13452,242 @@
           </p:style>
         </p:cxnSp>
       </p:grpSp>
+      <p:sp>
+        <p:nvSpPr>
+          <p:cNvPr id="3" name="직사각형 2">
+            <a:extLst>
+              <a:ext uri="{FF2B5EF4-FFF2-40B4-BE49-F238E27FC236}">
+                <a16:creationId xmlns:a16="http://schemas.microsoft.com/office/drawing/2014/main" id="{D4033ED8-DB69-EB84-C12C-AA23B4DD8B71}"/>
+              </a:ext>
+            </a:extLst>
+          </p:cNvPr>
+          <p:cNvSpPr/>
+          <p:nvPr/>
+        </p:nvSpPr>
+        <p:spPr>
+          <a:xfrm>
+            <a:off x="9232276" y="1017270"/>
+            <a:ext cx="1397624" cy="1325563"/>
+          </a:xfrm>
+          <a:prstGeom prst="rect">
+            <a:avLst/>
+          </a:prstGeom>
+        </p:spPr>
+        <p:style>
+          <a:lnRef idx="2">
+            <a:schemeClr val="accent1">
+              <a:shade val="15000"/>
+            </a:schemeClr>
+          </a:lnRef>
+          <a:fillRef idx="1">
+            <a:schemeClr val="accent1"/>
+          </a:fillRef>
+          <a:effectRef idx="0">
+            <a:schemeClr val="accent1"/>
+          </a:effectRef>
+          <a:fontRef idx="minor">
+            <a:schemeClr val="lt1"/>
+          </a:fontRef>
+        </p:style>
+        <p:txBody>
+          <a:bodyPr rtlCol="0" anchor="ctr"/>
+          <a:lstStyle/>
+          <a:p>
+            <a:pPr algn="ctr"/>
+            <a:r>
+              <a:rPr lang="en-US" altLang="ko-KR" dirty="0"/>
+              <a:t>R2</a:t>
+            </a:r>
+            <a:endParaRPr lang="ko-KR" altLang="en-US" dirty="0"/>
+          </a:p>
+        </p:txBody>
+      </p:sp>
+      <p:sp>
+        <p:nvSpPr>
+          <p:cNvPr id="4" name="직사각형 3">
+            <a:extLst>
+              <a:ext uri="{FF2B5EF4-FFF2-40B4-BE49-F238E27FC236}">
+                <a16:creationId xmlns:a16="http://schemas.microsoft.com/office/drawing/2014/main" id="{B29778D7-5716-C9D3-5FFC-75BD2C11ADDE}"/>
+              </a:ext>
+            </a:extLst>
+          </p:cNvPr>
+          <p:cNvSpPr/>
+          <p:nvPr/>
+        </p:nvSpPr>
+        <p:spPr>
+          <a:xfrm>
+            <a:off x="5656542" y="4950374"/>
+            <a:ext cx="1397624" cy="1325563"/>
+          </a:xfrm>
+          <a:prstGeom prst="rect">
+            <a:avLst/>
+          </a:prstGeom>
+        </p:spPr>
+        <p:style>
+          <a:lnRef idx="2">
+            <a:schemeClr val="accent1">
+              <a:shade val="15000"/>
+            </a:schemeClr>
+          </a:lnRef>
+          <a:fillRef idx="1">
+            <a:schemeClr val="accent1"/>
+          </a:fillRef>
+          <a:effectRef idx="0">
+            <a:schemeClr val="accent1"/>
+          </a:effectRef>
+          <a:fontRef idx="minor">
+            <a:schemeClr val="lt1"/>
+          </a:fontRef>
+        </p:style>
+        <p:txBody>
+          <a:bodyPr rtlCol="0" anchor="ctr"/>
+          <a:lstStyle/>
+          <a:p>
+            <a:pPr algn="ctr"/>
+            <a:r>
+              <a:rPr lang="en-US" altLang="ko-KR" dirty="0"/>
+              <a:t>R1</a:t>
+            </a:r>
+            <a:endParaRPr lang="ko-KR" altLang="en-US" dirty="0"/>
+          </a:p>
+        </p:txBody>
+      </p:sp>
+      <p:sp>
+        <p:nvSpPr>
+          <p:cNvPr id="5" name="직사각형 4">
+            <a:extLst>
+              <a:ext uri="{FF2B5EF4-FFF2-40B4-BE49-F238E27FC236}">
+                <a16:creationId xmlns:a16="http://schemas.microsoft.com/office/drawing/2014/main" id="{97A97C6F-16FC-A619-DC39-0AA60687E87C}"/>
+              </a:ext>
+            </a:extLst>
+          </p:cNvPr>
+          <p:cNvSpPr/>
+          <p:nvPr/>
+        </p:nvSpPr>
+        <p:spPr>
+          <a:xfrm>
+            <a:off x="9416990" y="2735400"/>
+            <a:ext cx="1397624" cy="1325563"/>
+          </a:xfrm>
+          <a:prstGeom prst="rect">
+            <a:avLst/>
+          </a:prstGeom>
+        </p:spPr>
+        <p:style>
+          <a:lnRef idx="2">
+            <a:schemeClr val="accent1">
+              <a:shade val="15000"/>
+            </a:schemeClr>
+          </a:lnRef>
+          <a:fillRef idx="1">
+            <a:schemeClr val="accent1"/>
+          </a:fillRef>
+          <a:effectRef idx="0">
+            <a:schemeClr val="accent1"/>
+          </a:effectRef>
+          <a:fontRef idx="minor">
+            <a:schemeClr val="lt1"/>
+          </a:fontRef>
+        </p:style>
+        <p:txBody>
+          <a:bodyPr rtlCol="0" anchor="ctr"/>
+          <a:lstStyle/>
+          <a:p>
+            <a:pPr algn="ctr"/>
+            <a:r>
+              <a:rPr lang="en-US" altLang="ko-KR" dirty="0"/>
+              <a:t>R2</a:t>
+            </a:r>
+            <a:endParaRPr lang="ko-KR" altLang="en-US" dirty="0"/>
+          </a:p>
+        </p:txBody>
+      </p:sp>
+      <p:cxnSp>
+        <p:nvCxnSpPr>
+          <p:cNvPr id="7" name="연결선: 꺾임 6">
+            <a:extLst>
+              <a:ext uri="{FF2B5EF4-FFF2-40B4-BE49-F238E27FC236}">
+                <a16:creationId xmlns:a16="http://schemas.microsoft.com/office/drawing/2014/main" id="{B56B1BE5-DAAF-AFC5-4A33-8BE878464CD3}"/>
+              </a:ext>
+            </a:extLst>
+          </p:cNvPr>
+          <p:cNvCxnSpPr>
+            <a:cxnSpLocks/>
+            <a:stCxn id="94" idx="3"/>
+            <a:endCxn id="3" idx="1"/>
+          </p:cNvCxnSpPr>
+          <p:nvPr/>
+        </p:nvCxnSpPr>
+        <p:spPr>
+          <a:xfrm flipV="1">
+            <a:off x="5826252" y="1680052"/>
+            <a:ext cx="3406024" cy="1566806"/>
+          </a:xfrm>
+          <a:prstGeom prst="bentConnector3">
+            <a:avLst/>
+          </a:prstGeom>
+          <a:ln>
+            <a:tailEnd type="triangle"/>
+          </a:ln>
+        </p:spPr>
+        <p:style>
+          <a:lnRef idx="1">
+            <a:schemeClr val="accent1"/>
+          </a:lnRef>
+          <a:fillRef idx="0">
+            <a:schemeClr val="accent1"/>
+          </a:fillRef>
+          <a:effectRef idx="0">
+            <a:schemeClr val="accent1"/>
+          </a:effectRef>
+          <a:fontRef idx="minor">
+            <a:schemeClr val="tx1"/>
+          </a:fontRef>
+        </p:style>
+      </p:cxnSp>
+      <p:cxnSp>
+        <p:nvCxnSpPr>
+          <p:cNvPr id="12" name="연결선: 꺾임 11">
+            <a:extLst>
+              <a:ext uri="{FF2B5EF4-FFF2-40B4-BE49-F238E27FC236}">
+                <a16:creationId xmlns:a16="http://schemas.microsoft.com/office/drawing/2014/main" id="{93DFC51F-B64C-6E8E-2165-6831D22990EC}"/>
+              </a:ext>
+            </a:extLst>
+          </p:cNvPr>
+          <p:cNvCxnSpPr>
+            <a:cxnSpLocks/>
+            <a:stCxn id="4" idx="3"/>
+            <a:endCxn id="5" idx="1"/>
+          </p:cNvCxnSpPr>
+          <p:nvPr/>
+        </p:nvCxnSpPr>
+        <p:spPr>
+          <a:xfrm flipV="1">
+            <a:off x="7054166" y="3398182"/>
+            <a:ext cx="2362824" cy="2214974"/>
+          </a:xfrm>
+          <a:prstGeom prst="bentConnector3">
+            <a:avLst/>
+          </a:prstGeom>
+          <a:ln>
+            <a:tailEnd type="triangle"/>
+          </a:ln>
+        </p:spPr>
+        <p:style>
+          <a:lnRef idx="1">
+            <a:schemeClr val="accent1"/>
+          </a:lnRef>
+          <a:fillRef idx="0">
+            <a:schemeClr val="accent1"/>
+          </a:fillRef>
+          <a:effectRef idx="0">
+            <a:schemeClr val="accent1"/>
+          </a:effectRef>
+          <a:fontRef idx="minor">
+            <a:schemeClr val="tx1"/>
+          </a:fontRef>
+        </p:style>
+      </p:cxnSp>
     </p:spTree>
     <p:extLst>
       <p:ext uri="{BB962C8B-B14F-4D97-AF65-F5344CB8AC3E}">

--- a/DsDotNet/src/UnitTest/UnitTest.Model/ImportOfficeExample/Sample/test.pptx
+++ b/DsDotNet/src/UnitTest/UnitTest.Model/ImportOfficeExample/Sample/test.pptx
@@ -5,14 +5,16 @@
     <p:sldMasterId id="2147483687" r:id="rId1"/>
   </p:sldMasterIdLst>
   <p:notesMasterIdLst>
-    <p:notesMasterId r:id="rId4"/>
+    <p:notesMasterId r:id="rId6"/>
   </p:notesMasterIdLst>
   <p:handoutMasterIdLst>
-    <p:handoutMasterId r:id="rId5"/>
+    <p:handoutMasterId r:id="rId7"/>
   </p:handoutMasterIdLst>
   <p:sldIdLst>
     <p:sldId id="614" r:id="rId2"/>
     <p:sldId id="731" r:id="rId3"/>
+    <p:sldId id="732" r:id="rId4"/>
+    <p:sldId id="742" r:id="rId5"/>
   </p:sldIdLst>
   <p:sldSz cx="12192000" cy="6858000"/>
   <p:notesSz cx="6797675" cy="9926638"/>
@@ -216,7 +218,7 @@
           <a:p>
             <a:fld id="{DD503887-5801-43A0-AEF9-041E8DDC2558}" type="datetimeFigureOut">
               <a:rPr lang="ko-KR" altLang="en-US" smtClean="0"/>
-              <a:t>2023-10-04</a:t>
+              <a:t>2023-10-05</a:t>
             </a:fld>
             <a:endParaRPr lang="ko-KR" altLang="en-US" dirty="0"/>
           </a:p>
@@ -393,7 +395,7 @@
           <a:p>
             <a:fld id="{95336A0E-57B1-4D4C-BD9B-2F72B5943464}" type="datetimeFigureOut">
               <a:rPr lang="ko-KR" altLang="en-US" smtClean="0"/>
-              <a:t>2023-10-04</a:t>
+              <a:t>2023-10-05</a:t>
             </a:fld>
             <a:endParaRPr lang="ko-KR" altLang="en-US" dirty="0"/>
           </a:p>
@@ -751,6 +753,90 @@
 </p:notes>
 </file>
 
+<file path=ppt/notesSlides/notesSlide2.xml><?xml version="1.0" encoding="utf-8"?>
+<p:notes xmlns:a="http://schemas.openxmlformats.org/drawingml/2006/main" xmlns:r="http://schemas.openxmlformats.org/officeDocument/2006/relationships" xmlns:p="http://schemas.openxmlformats.org/presentationml/2006/main">
+  <p:cSld>
+    <p:spTree>
+      <p:nvGrpSpPr>
+        <p:cNvPr id="1" name=""/>
+        <p:cNvGrpSpPr/>
+        <p:nvPr/>
+      </p:nvGrpSpPr>
+      <p:grpSpPr>
+        <a:xfrm>
+          <a:off x="0" y="0"/>
+          <a:ext cx="0" cy="0"/>
+          <a:chOff x="0" y="0"/>
+          <a:chExt cx="0" cy="0"/>
+        </a:xfrm>
+      </p:grpSpPr>
+      <p:sp>
+        <p:nvSpPr>
+          <p:cNvPr id="2" name="슬라이드 이미지 개체 틀 1"/>
+          <p:cNvSpPr>
+            <a:spLocks noGrp="1" noRot="1" noChangeAspect="1"/>
+          </p:cNvSpPr>
+          <p:nvPr>
+            <p:ph type="sldImg"/>
+          </p:nvPr>
+        </p:nvSpPr>
+        <p:spPr/>
+      </p:sp>
+      <p:sp>
+        <p:nvSpPr>
+          <p:cNvPr id="3" name="슬라이드 노트 개체 틀 2"/>
+          <p:cNvSpPr>
+            <a:spLocks noGrp="1"/>
+          </p:cNvSpPr>
+          <p:nvPr>
+            <p:ph type="body" idx="1"/>
+          </p:nvPr>
+        </p:nvSpPr>
+        <p:spPr/>
+        <p:txBody>
+          <a:bodyPr/>
+          <a:lstStyle/>
+          <a:p>
+            <a:endParaRPr lang="ko-KR" altLang="en-US" dirty="0"/>
+          </a:p>
+        </p:txBody>
+      </p:sp>
+      <p:sp>
+        <p:nvSpPr>
+          <p:cNvPr id="4" name="슬라이드 번호 개체 틀 3"/>
+          <p:cNvSpPr>
+            <a:spLocks noGrp="1"/>
+          </p:cNvSpPr>
+          <p:nvPr>
+            <p:ph type="sldNum" sz="quarter" idx="5"/>
+          </p:nvPr>
+        </p:nvSpPr>
+        <p:spPr/>
+        <p:txBody>
+          <a:bodyPr/>
+          <a:lstStyle/>
+          <a:p>
+            <a:fld id="{2978587B-688C-4F1D-9D92-1BF3667CE9B1}" type="slidenum">
+              <a:rPr lang="ko-KR" altLang="en-US" smtClean="0"/>
+              <a:t>4</a:t>
+            </a:fld>
+            <a:endParaRPr lang="ko-KR" altLang="en-US" dirty="0"/>
+          </a:p>
+        </p:txBody>
+      </p:sp>
+    </p:spTree>
+    <p:extLst>
+      <p:ext uri="{BB962C8B-B14F-4D97-AF65-F5344CB8AC3E}">
+        <p14:creationId xmlns:p14="http://schemas.microsoft.com/office/powerpoint/2010/main" val="2038309126"/>
+      </p:ext>
+    </p:extLst>
+  </p:cSld>
+  <p:clrMapOvr>
+    <a:masterClrMapping/>
+  </p:clrMapOvr>
+</p:notes>
+</file>
+
 <file path=ppt/slideLayouts/slideLayout1.xml><?xml version="1.0" encoding="utf-8"?>
 <p:sldLayout xmlns:a="http://schemas.openxmlformats.org/drawingml/2006/main" xmlns:r="http://schemas.openxmlformats.org/officeDocument/2006/relationships" xmlns:p="http://schemas.openxmlformats.org/presentationml/2006/main" type="title" preserve="1">
   <p:cSld name="제목 슬라이드">
@@ -898,7 +984,7 @@
           <a:p>
             <a:fld id="{229D12C7-0FF5-4972-A033-474EFFC79F40}" type="datetime1">
               <a:rPr lang="ko-KR" altLang="en-US" smtClean="0"/>
-              <a:t>2023-10-04</a:t>
+              <a:t>2023-10-05</a:t>
             </a:fld>
             <a:endParaRPr lang="ko-KR" altLang="en-US" dirty="0"/>
           </a:p>
@@ -1096,7 +1182,7 @@
           <a:p>
             <a:fld id="{5BA19FD4-B052-4F56-8FD8-EAFD078DEFB0}" type="datetime1">
               <a:rPr lang="ko-KR" altLang="en-US" smtClean="0"/>
-              <a:t>2023-10-04</a:t>
+              <a:t>2023-10-05</a:t>
             </a:fld>
             <a:endParaRPr lang="ko-KR" altLang="en-US" dirty="0"/>
           </a:p>
@@ -1304,7 +1390,7 @@
           <a:p>
             <a:fld id="{024994B9-23A6-4B0A-A038-AC140E83DAA3}" type="datetime1">
               <a:rPr lang="ko-KR" altLang="en-US" smtClean="0"/>
-              <a:t>2023-10-04</a:t>
+              <a:t>2023-10-05</a:t>
             </a:fld>
             <a:endParaRPr lang="ko-KR" altLang="en-US" dirty="0"/>
           </a:p>
@@ -1446,7 +1532,7 @@
           <a:p>
             <a:fld id="{B5B1BBC2-B738-4C35-AEE5-660EB2DEB482}" type="datetime1">
               <a:rPr lang="ko-KR" altLang="en-US" smtClean="0"/>
-              <a:t>2023-10-04</a:t>
+              <a:t>2023-10-05</a:t>
             </a:fld>
             <a:endParaRPr lang="ko-KR" altLang="en-US" dirty="0"/>
           </a:p>
@@ -6113,7 +6199,7 @@
           <a:p>
             <a:fld id="{70D0DAB2-87CB-4028-B965-3AA710ADF2CB}" type="datetime1">
               <a:rPr lang="ko-KR" altLang="en-US" smtClean="0"/>
-              <a:t>2023-10-04</a:t>
+              <a:t>2023-10-05</a:t>
             </a:fld>
             <a:endParaRPr lang="ko-KR" altLang="en-US" dirty="0"/>
           </a:p>
@@ -6388,7 +6474,7 @@
           <a:p>
             <a:fld id="{63FA3D71-FEA8-477F-9D1E-EA860F411BC7}" type="datetime1">
               <a:rPr lang="ko-KR" altLang="en-US" smtClean="0"/>
-              <a:t>2023-10-04</a:t>
+              <a:t>2023-10-05</a:t>
             </a:fld>
             <a:endParaRPr lang="ko-KR" altLang="en-US" dirty="0"/>
           </a:p>
@@ -6653,7 +6739,7 @@
           <a:p>
             <a:fld id="{F58E3EF4-7980-4C97-BA64-EC66995BB574}" type="datetime1">
               <a:rPr lang="ko-KR" altLang="en-US" smtClean="0"/>
-              <a:t>2023-10-04</a:t>
+              <a:t>2023-10-05</a:t>
             </a:fld>
             <a:endParaRPr lang="ko-KR" altLang="en-US" dirty="0"/>
           </a:p>
@@ -7065,7 +7151,7 @@
           <a:p>
             <a:fld id="{FC9BC1D0-7D6B-4634-9D19-644040D74EAE}" type="datetime1">
               <a:rPr lang="ko-KR" altLang="en-US" smtClean="0"/>
-              <a:t>2023-10-04</a:t>
+              <a:t>2023-10-05</a:t>
             </a:fld>
             <a:endParaRPr lang="ko-KR" altLang="en-US" dirty="0"/>
           </a:p>
@@ -7206,7 +7292,7 @@
           <a:p>
             <a:fld id="{B5B1BBC2-B738-4C35-AEE5-660EB2DEB482}" type="datetime1">
               <a:rPr lang="ko-KR" altLang="en-US" smtClean="0"/>
-              <a:t>2023-10-04</a:t>
+              <a:t>2023-10-05</a:t>
             </a:fld>
             <a:endParaRPr lang="ko-KR" altLang="en-US" dirty="0"/>
           </a:p>
@@ -11788,7 +11874,7 @@
           <a:p>
             <a:fld id="{C60E9F93-7E77-4F36-B88C-A425F00C8D91}" type="datetime1">
               <a:rPr lang="ko-KR" altLang="en-US" smtClean="0"/>
-              <a:t>2023-10-04</a:t>
+              <a:t>2023-10-05</a:t>
             </a:fld>
             <a:endParaRPr lang="ko-KR" altLang="en-US" dirty="0"/>
           </a:p>
@@ -12099,7 +12185,7 @@
           <a:p>
             <a:fld id="{36BCCD0E-2A54-4016-BFFC-FEAABCDA6915}" type="datetime1">
               <a:rPr lang="ko-KR" altLang="en-US" smtClean="0"/>
-              <a:t>2023-10-04</a:t>
+              <a:t>2023-10-05</a:t>
             </a:fld>
             <a:endParaRPr lang="ko-KR" altLang="en-US" dirty="0"/>
           </a:p>
@@ -12387,7 +12473,7 @@
           <a:p>
             <a:fld id="{C984B0C4-64BA-4E4C-B5E6-A51EE3F6ED95}" type="datetime1">
               <a:rPr lang="ko-KR" altLang="en-US" smtClean="0"/>
-              <a:t>2023-10-04</a:t>
+              <a:t>2023-10-05</a:t>
             </a:fld>
             <a:endParaRPr lang="ko-KR" altLang="en-US" dirty="0"/>
           </a:p>
@@ -12629,7 +12715,7 @@
           <a:p>
             <a:fld id="{C984B0C4-64BA-4E4C-B5E6-A51EE3F6ED95}" type="datetime1">
               <a:rPr lang="ko-KR" altLang="en-US" smtClean="0"/>
-              <a:t>2023-10-04</a:t>
+              <a:t>2023-10-05</a:t>
             </a:fld>
             <a:endParaRPr lang="ko-KR" altLang="en-US" dirty="0"/>
           </a:p>
@@ -13120,7 +13206,7 @@
 </file>
 
 <file path=ppt/slides/slide2.xml><?xml version="1.0" encoding="utf-8"?>
-<p:sld xmlns:a="http://schemas.openxmlformats.org/drawingml/2006/main" xmlns:r="http://schemas.openxmlformats.org/officeDocument/2006/relationships" xmlns:p="http://schemas.openxmlformats.org/presentationml/2006/main">
+<p:sld xmlns:a="http://schemas.openxmlformats.org/drawingml/2006/main" xmlns:r="http://schemas.openxmlformats.org/officeDocument/2006/relationships" xmlns:p="http://schemas.openxmlformats.org/presentationml/2006/main" show="0">
   <p:cSld>
     <p:spTree>
       <p:nvGrpSpPr>
@@ -13241,8 +13327,8 @@
         </p:nvGrpSpPr>
         <p:grpSpPr>
           <a:xfrm>
-            <a:off x="544072" y="1788038"/>
-            <a:ext cx="5282180" cy="2917639"/>
+            <a:off x="544072" y="1788039"/>
+            <a:ext cx="2599178" cy="1640962"/>
             <a:chOff x="544072" y="1788038"/>
             <a:chExt cx="5282180" cy="2917639"/>
           </a:xfrm>
@@ -13516,8 +13602,8 @@
         </p:nvSpPr>
         <p:spPr>
           <a:xfrm>
-            <a:off x="5656542" y="4950374"/>
-            <a:ext cx="1397624" cy="1325563"/>
+            <a:off x="583649" y="3733923"/>
+            <a:ext cx="2599178" cy="1325563"/>
           </a:xfrm>
           <a:prstGeom prst="rect">
             <a:avLst/>
@@ -13620,8 +13706,8 @@
         </p:nvCxnSpPr>
         <p:spPr>
           <a:xfrm flipV="1">
-            <a:off x="5826252" y="1680052"/>
-            <a:ext cx="3406024" cy="1566806"/>
+            <a:off x="3143250" y="1680052"/>
+            <a:ext cx="6089026" cy="928468"/>
           </a:xfrm>
           <a:prstGeom prst="bentConnector3">
             <a:avLst/>
@@ -13663,8 +13749,8 @@
         </p:nvCxnSpPr>
         <p:spPr>
           <a:xfrm flipV="1">
-            <a:off x="7054166" y="3398182"/>
-            <a:ext cx="2362824" cy="2214974"/>
+            <a:off x="3182827" y="3398182"/>
+            <a:ext cx="6234163" cy="998523"/>
           </a:xfrm>
           <a:prstGeom prst="bentConnector3">
             <a:avLst/>
@@ -13692,6 +13778,1406 @@
     <p:extLst>
       <p:ext uri="{BB962C8B-B14F-4D97-AF65-F5344CB8AC3E}">
         <p14:creationId xmlns:p14="http://schemas.microsoft.com/office/powerpoint/2010/main" val="59931280"/>
+      </p:ext>
+    </p:extLst>
+  </p:cSld>
+  <p:clrMapOvr>
+    <a:masterClrMapping/>
+  </p:clrMapOvr>
+</p:sld>
+</file>
+
+<file path=ppt/slides/slide3.xml><?xml version="1.0" encoding="utf-8"?>
+<p:sld xmlns:a="http://schemas.openxmlformats.org/drawingml/2006/main" xmlns:r="http://schemas.openxmlformats.org/officeDocument/2006/relationships" xmlns:p="http://schemas.openxmlformats.org/presentationml/2006/main">
+  <p:cSld>
+    <p:spTree>
+      <p:nvGrpSpPr>
+        <p:cNvPr id="1" name=""/>
+        <p:cNvGrpSpPr/>
+        <p:nvPr/>
+      </p:nvGrpSpPr>
+      <p:grpSpPr>
+        <a:xfrm>
+          <a:off x="0" y="0"/>
+          <a:ext cx="0" cy="0"/>
+          <a:chOff x="0" y="0"/>
+          <a:chExt cx="0" cy="0"/>
+        </a:xfrm>
+      </p:grpSpPr>
+      <p:sp>
+        <p:nvSpPr>
+          <p:cNvPr id="2" name="제목 1">
+            <a:extLst>
+              <a:ext uri="{FF2B5EF4-FFF2-40B4-BE49-F238E27FC236}">
+                <a16:creationId xmlns:a16="http://schemas.microsoft.com/office/drawing/2014/main" id="{5E8FE27E-4086-E570-1BA4-F2B433CAA376}"/>
+              </a:ext>
+            </a:extLst>
+          </p:cNvPr>
+          <p:cNvSpPr>
+            <a:spLocks noGrp="1"/>
+          </p:cNvSpPr>
+          <p:nvPr>
+            <p:ph type="title"/>
+          </p:nvPr>
+        </p:nvSpPr>
+        <p:spPr/>
+        <p:txBody>
+          <a:bodyPr/>
+          <a:lstStyle/>
+          <a:p>
+            <a:r>
+              <a:rPr lang="en-US" altLang="ko-KR" dirty="0"/>
+              <a:t>F</a:t>
+            </a:r>
+            <a:endParaRPr lang="ko-KR" altLang="en-US" dirty="0"/>
+          </a:p>
+        </p:txBody>
+      </p:sp>
+      <p:sp>
+        <p:nvSpPr>
+          <p:cNvPr id="17" name="직사각형 16">
+            <a:extLst>
+              <a:ext uri="{FF2B5EF4-FFF2-40B4-BE49-F238E27FC236}">
+                <a16:creationId xmlns:a16="http://schemas.microsoft.com/office/drawing/2014/main" id="{4858C7CA-1672-0CCC-50F0-3696D1D240A7}"/>
+              </a:ext>
+            </a:extLst>
+          </p:cNvPr>
+          <p:cNvSpPr/>
+          <p:nvPr/>
+        </p:nvSpPr>
+        <p:spPr>
+          <a:xfrm>
+            <a:off x="5978394" y="4380119"/>
+            <a:ext cx="1098668" cy="964266"/>
+          </a:xfrm>
+          <a:prstGeom prst="rect">
+            <a:avLst/>
+          </a:prstGeom>
+        </p:spPr>
+        <p:style>
+          <a:lnRef idx="2">
+            <a:schemeClr val="accent1">
+              <a:shade val="15000"/>
+            </a:schemeClr>
+          </a:lnRef>
+          <a:fillRef idx="1">
+            <a:schemeClr val="accent1"/>
+          </a:fillRef>
+          <a:effectRef idx="0">
+            <a:schemeClr val="accent1"/>
+          </a:effectRef>
+          <a:fontRef idx="minor">
+            <a:schemeClr val="lt1"/>
+          </a:fontRef>
+        </p:style>
+        <p:txBody>
+          <a:bodyPr rtlCol="0" anchor="ctr"/>
+          <a:lstStyle/>
+          <a:p>
+            <a:pPr algn="ctr"/>
+            <a:r>
+              <a:rPr lang="en-US" altLang="ko-KR" dirty="0"/>
+              <a:t>0ST</a:t>
+            </a:r>
+            <a:endParaRPr lang="ko-KR" altLang="en-US" dirty="0"/>
+          </a:p>
+        </p:txBody>
+      </p:sp>
+      <p:cxnSp>
+        <p:nvCxnSpPr>
+          <p:cNvPr id="18" name="연결선: 꺾임 17">
+            <a:extLst>
+              <a:ext uri="{FF2B5EF4-FFF2-40B4-BE49-F238E27FC236}">
+                <a16:creationId xmlns:a16="http://schemas.microsoft.com/office/drawing/2014/main" id="{08F6F2F1-3B90-5141-1472-0B16E8AAFA31}"/>
+              </a:ext>
+            </a:extLst>
+          </p:cNvPr>
+          <p:cNvCxnSpPr>
+            <a:cxnSpLocks/>
+            <a:stCxn id="17" idx="1"/>
+            <a:endCxn id="26" idx="3"/>
+          </p:cNvCxnSpPr>
+          <p:nvPr/>
+        </p:nvCxnSpPr>
+        <p:spPr>
+          <a:xfrm rot="10800000">
+            <a:off x="2568706" y="4759798"/>
+            <a:ext cx="3409688" cy="102455"/>
+          </a:xfrm>
+          <a:prstGeom prst="bentConnector3">
+            <a:avLst>
+              <a:gd name="adj1" fmla="val 50000"/>
+            </a:avLst>
+          </a:prstGeom>
+          <a:ln>
+            <a:headEnd type="none" w="med" len="med"/>
+            <a:tailEnd type="triangle" w="med" len="med"/>
+          </a:ln>
+        </p:spPr>
+        <p:style>
+          <a:lnRef idx="1">
+            <a:schemeClr val="accent1"/>
+          </a:lnRef>
+          <a:fillRef idx="0">
+            <a:schemeClr val="accent1"/>
+          </a:fillRef>
+          <a:effectRef idx="0">
+            <a:schemeClr val="accent1"/>
+          </a:effectRef>
+          <a:fontRef idx="minor">
+            <a:schemeClr val="tx1"/>
+          </a:fontRef>
+        </p:style>
+      </p:cxnSp>
+      <p:sp>
+        <p:nvSpPr>
+          <p:cNvPr id="20" name="사각형: 모서리가 접힌 도형 19">
+            <a:extLst>
+              <a:ext uri="{FF2B5EF4-FFF2-40B4-BE49-F238E27FC236}">
+                <a16:creationId xmlns:a16="http://schemas.microsoft.com/office/drawing/2014/main" id="{E7BDC046-3041-F8FD-0450-49081391A688}"/>
+              </a:ext>
+            </a:extLst>
+          </p:cNvPr>
+          <p:cNvSpPr/>
+          <p:nvPr/>
+        </p:nvSpPr>
+        <p:spPr>
+          <a:xfrm>
+            <a:off x="9232276" y="4803028"/>
+            <a:ext cx="2437946" cy="568378"/>
+          </a:xfrm>
+          <a:prstGeom prst="foldedCorner">
+            <a:avLst/>
+          </a:prstGeom>
+          <a:solidFill>
+            <a:schemeClr val="accent3">
+              <a:alpha val="50000"/>
+            </a:schemeClr>
+          </a:solidFill>
+          <a:ln>
+            <a:noFill/>
+          </a:ln>
+        </p:spPr>
+        <p:style>
+          <a:lnRef idx="0">
+            <a:scrgbClr r="0" g="0" b="0"/>
+          </a:lnRef>
+          <a:fillRef idx="0">
+            <a:scrgbClr r="0" g="0" b="0"/>
+          </a:fillRef>
+          <a:effectRef idx="0">
+            <a:scrgbClr r="0" g="0" b="0"/>
+          </a:effectRef>
+          <a:fontRef idx="minor">
+            <a:schemeClr val="lt1"/>
+          </a:fontRef>
+        </p:style>
+        <p:txBody>
+          <a:bodyPr rtlCol="0" anchor="ctr"/>
+          <a:lstStyle/>
+          <a:p>
+            <a:pPr algn="ctr"/>
+            <a:r>
+              <a:rPr lang="en-US" altLang="ko-KR" dirty="0"/>
+              <a:t>lib/Cylinder/Double </a:t>
+            </a:r>
+          </a:p>
+          <a:p>
+            <a:pPr algn="ctr"/>
+            <a:r>
+              <a:rPr lang="en-US" altLang="ko-KR" dirty="0"/>
+              <a:t>[A]</a:t>
+            </a:r>
+            <a:endParaRPr lang="ko-KR" altLang="en-US" dirty="0"/>
+          </a:p>
+        </p:txBody>
+      </p:sp>
+      <p:sp>
+        <p:nvSpPr>
+          <p:cNvPr id="21" name="직사각형 20">
+            <a:extLst>
+              <a:ext uri="{FF2B5EF4-FFF2-40B4-BE49-F238E27FC236}">
+                <a16:creationId xmlns:a16="http://schemas.microsoft.com/office/drawing/2014/main" id="{095CE6EE-DF87-A38F-0D33-E7DF367C4F56}"/>
+              </a:ext>
+            </a:extLst>
+          </p:cNvPr>
+          <p:cNvSpPr/>
+          <p:nvPr/>
+        </p:nvSpPr>
+        <p:spPr>
+          <a:xfrm>
+            <a:off x="1021987" y="1625560"/>
+            <a:ext cx="1546719" cy="964266"/>
+          </a:xfrm>
+          <a:prstGeom prst="rect">
+            <a:avLst/>
+          </a:prstGeom>
+        </p:spPr>
+        <p:style>
+          <a:lnRef idx="2">
+            <a:schemeClr val="accent5">
+              <a:shade val="15000"/>
+            </a:schemeClr>
+          </a:lnRef>
+          <a:fillRef idx="1">
+            <a:schemeClr val="accent5"/>
+          </a:fillRef>
+          <a:effectRef idx="0">
+            <a:schemeClr val="accent5"/>
+          </a:effectRef>
+          <a:fontRef idx="minor">
+            <a:schemeClr val="lt1"/>
+          </a:fontRef>
+        </p:style>
+        <p:txBody>
+          <a:bodyPr rtlCol="0" anchor="ctr"/>
+          <a:lstStyle/>
+          <a:p>
+            <a:pPr algn="ctr"/>
+            <a:r>
+              <a:rPr lang="en-US" altLang="ko-KR" dirty="0"/>
+              <a:t>S1</a:t>
+            </a:r>
+            <a:endParaRPr lang="ko-KR" altLang="en-US" dirty="0"/>
+          </a:p>
+        </p:txBody>
+      </p:sp>
+      <p:sp>
+        <p:nvSpPr>
+          <p:cNvPr id="24" name="직사각형 23">
+            <a:extLst>
+              <a:ext uri="{FF2B5EF4-FFF2-40B4-BE49-F238E27FC236}">
+                <a16:creationId xmlns:a16="http://schemas.microsoft.com/office/drawing/2014/main" id="{0AE26988-4EF8-5C80-1A53-A28AADCCD2CD}"/>
+              </a:ext>
+            </a:extLst>
+          </p:cNvPr>
+          <p:cNvSpPr/>
+          <p:nvPr/>
+        </p:nvSpPr>
+        <p:spPr>
+          <a:xfrm>
+            <a:off x="1015636" y="2970274"/>
+            <a:ext cx="1546719" cy="964266"/>
+          </a:xfrm>
+          <a:prstGeom prst="rect">
+            <a:avLst/>
+          </a:prstGeom>
+        </p:spPr>
+        <p:style>
+          <a:lnRef idx="2">
+            <a:schemeClr val="accent5">
+              <a:shade val="15000"/>
+            </a:schemeClr>
+          </a:lnRef>
+          <a:fillRef idx="1">
+            <a:schemeClr val="accent5"/>
+          </a:fillRef>
+          <a:effectRef idx="0">
+            <a:schemeClr val="accent5"/>
+          </a:effectRef>
+          <a:fontRef idx="minor">
+            <a:schemeClr val="lt1"/>
+          </a:fontRef>
+        </p:style>
+        <p:txBody>
+          <a:bodyPr rtlCol="0" anchor="ctr"/>
+          <a:lstStyle/>
+          <a:p>
+            <a:pPr algn="ctr"/>
+            <a:r>
+              <a:rPr lang="en-US" altLang="ko-KR" dirty="0"/>
+              <a:t>T33</a:t>
+            </a:r>
+            <a:endParaRPr lang="ko-KR" altLang="en-US" dirty="0"/>
+          </a:p>
+        </p:txBody>
+      </p:sp>
+      <p:sp>
+        <p:nvSpPr>
+          <p:cNvPr id="26" name="직사각형 25">
+            <a:extLst>
+              <a:ext uri="{FF2B5EF4-FFF2-40B4-BE49-F238E27FC236}">
+                <a16:creationId xmlns:a16="http://schemas.microsoft.com/office/drawing/2014/main" id="{3BE33DFC-030B-5BEF-5E1A-8F32D4964669}"/>
+              </a:ext>
+            </a:extLst>
+          </p:cNvPr>
+          <p:cNvSpPr/>
+          <p:nvPr/>
+        </p:nvSpPr>
+        <p:spPr>
+          <a:xfrm>
+            <a:off x="1021987" y="4277664"/>
+            <a:ext cx="1546719" cy="964266"/>
+          </a:xfrm>
+          <a:prstGeom prst="rect">
+            <a:avLst/>
+          </a:prstGeom>
+        </p:spPr>
+        <p:style>
+          <a:lnRef idx="2">
+            <a:schemeClr val="accent5">
+              <a:shade val="15000"/>
+            </a:schemeClr>
+          </a:lnRef>
+          <a:fillRef idx="1">
+            <a:schemeClr val="accent5"/>
+          </a:fillRef>
+          <a:effectRef idx="0">
+            <a:schemeClr val="accent5"/>
+          </a:effectRef>
+          <a:fontRef idx="minor">
+            <a:schemeClr val="lt1"/>
+          </a:fontRef>
+        </p:style>
+        <p:txBody>
+          <a:bodyPr rtlCol="0" anchor="ctr"/>
+          <a:lstStyle/>
+          <a:p>
+            <a:pPr algn="ctr"/>
+            <a:r>
+              <a:rPr lang="en-US" altLang="ko-KR" dirty="0"/>
+              <a:t>S2</a:t>
+            </a:r>
+            <a:endParaRPr lang="ko-KR" altLang="en-US" dirty="0"/>
+          </a:p>
+        </p:txBody>
+      </p:sp>
+      <p:sp>
+        <p:nvSpPr>
+          <p:cNvPr id="11" name="직사각형 10">
+            <a:extLst>
+              <a:ext uri="{FF2B5EF4-FFF2-40B4-BE49-F238E27FC236}">
+                <a16:creationId xmlns:a16="http://schemas.microsoft.com/office/drawing/2014/main" id="{12E3F82E-CFAD-88C9-7D27-B542C81CCEC0}"/>
+              </a:ext>
+            </a:extLst>
+          </p:cNvPr>
+          <p:cNvSpPr/>
+          <p:nvPr/>
+        </p:nvSpPr>
+        <p:spPr>
+          <a:xfrm>
+            <a:off x="1015635" y="5659703"/>
+            <a:ext cx="1546719" cy="964266"/>
+          </a:xfrm>
+          <a:prstGeom prst="rect">
+            <a:avLst/>
+          </a:prstGeom>
+        </p:spPr>
+        <p:style>
+          <a:lnRef idx="2">
+            <a:schemeClr val="accent5">
+              <a:shade val="15000"/>
+            </a:schemeClr>
+          </a:lnRef>
+          <a:fillRef idx="1">
+            <a:schemeClr val="accent5"/>
+          </a:fillRef>
+          <a:effectRef idx="0">
+            <a:schemeClr val="accent5"/>
+          </a:effectRef>
+          <a:fontRef idx="minor">
+            <a:schemeClr val="lt1"/>
+          </a:fontRef>
+        </p:style>
+        <p:txBody>
+          <a:bodyPr rtlCol="0" anchor="ctr"/>
+          <a:lstStyle/>
+          <a:p>
+            <a:pPr algn="ctr"/>
+            <a:r>
+              <a:rPr lang="en-US" altLang="ko-KR" dirty="0"/>
+              <a:t>T33</a:t>
+            </a:r>
+            <a:endParaRPr lang="ko-KR" altLang="en-US" dirty="0"/>
+          </a:p>
+        </p:txBody>
+      </p:sp>
+      <p:cxnSp>
+        <p:nvCxnSpPr>
+          <p:cNvPr id="38" name="연결선: 꺾임 37">
+            <a:extLst>
+              <a:ext uri="{FF2B5EF4-FFF2-40B4-BE49-F238E27FC236}">
+                <a16:creationId xmlns:a16="http://schemas.microsoft.com/office/drawing/2014/main" id="{26B5A67C-0259-CE59-104E-DF079B345050}"/>
+              </a:ext>
+            </a:extLst>
+          </p:cNvPr>
+          <p:cNvCxnSpPr>
+            <a:stCxn id="21" idx="2"/>
+            <a:endCxn id="24" idx="0"/>
+          </p:cNvCxnSpPr>
+          <p:nvPr/>
+        </p:nvCxnSpPr>
+        <p:spPr>
+          <a:xfrm rot="5400000">
+            <a:off x="1601948" y="2776875"/>
+            <a:ext cx="380448" cy="6351"/>
+          </a:xfrm>
+          <a:prstGeom prst="bentConnector3">
+            <a:avLst/>
+          </a:prstGeom>
+          <a:ln>
+            <a:headEnd type="diamond" w="med" len="med"/>
+            <a:tailEnd type="triangle" w="med" len="med"/>
+          </a:ln>
+        </p:spPr>
+        <p:style>
+          <a:lnRef idx="1">
+            <a:schemeClr val="accent1"/>
+          </a:lnRef>
+          <a:fillRef idx="0">
+            <a:schemeClr val="accent1"/>
+          </a:fillRef>
+          <a:effectRef idx="0">
+            <a:schemeClr val="accent1"/>
+          </a:effectRef>
+          <a:fontRef idx="minor">
+            <a:schemeClr val="tx1"/>
+          </a:fontRef>
+        </p:style>
+      </p:cxnSp>
+      <p:cxnSp>
+        <p:nvCxnSpPr>
+          <p:cNvPr id="39" name="연결선: 꺾임 38">
+            <a:extLst>
+              <a:ext uri="{FF2B5EF4-FFF2-40B4-BE49-F238E27FC236}">
+                <a16:creationId xmlns:a16="http://schemas.microsoft.com/office/drawing/2014/main" id="{A4B6BC2D-B85A-00AD-4E3E-CB25671760B5}"/>
+              </a:ext>
+            </a:extLst>
+          </p:cNvPr>
+          <p:cNvCxnSpPr>
+            <a:cxnSpLocks/>
+            <a:stCxn id="26" idx="2"/>
+            <a:endCxn id="11" idx="0"/>
+          </p:cNvCxnSpPr>
+          <p:nvPr/>
+        </p:nvCxnSpPr>
+        <p:spPr>
+          <a:xfrm rot="5400000">
+            <a:off x="1583285" y="5447640"/>
+            <a:ext cx="417773" cy="6352"/>
+          </a:xfrm>
+          <a:prstGeom prst="bentConnector3">
+            <a:avLst>
+              <a:gd name="adj1" fmla="val 50000"/>
+            </a:avLst>
+          </a:prstGeom>
+          <a:ln>
+            <a:headEnd type="diamond" w="med" len="med"/>
+            <a:tailEnd type="triangle" w="med" len="med"/>
+          </a:ln>
+        </p:spPr>
+        <p:style>
+          <a:lnRef idx="1">
+            <a:schemeClr val="accent1"/>
+          </a:lnRef>
+          <a:fillRef idx="0">
+            <a:schemeClr val="accent1"/>
+          </a:fillRef>
+          <a:effectRef idx="0">
+            <a:schemeClr val="accent1"/>
+          </a:effectRef>
+          <a:fontRef idx="minor">
+            <a:schemeClr val="tx1"/>
+          </a:fontRef>
+        </p:style>
+      </p:cxnSp>
+    </p:spTree>
+    <p:extLst>
+      <p:ext uri="{BB962C8B-B14F-4D97-AF65-F5344CB8AC3E}">
+        <p14:creationId xmlns:p14="http://schemas.microsoft.com/office/powerpoint/2010/main" val="1802543773"/>
+      </p:ext>
+    </p:extLst>
+  </p:cSld>
+  <p:clrMapOvr>
+    <a:masterClrMapping/>
+  </p:clrMapOvr>
+</p:sld>
+</file>
+
+<file path=ppt/slides/slide4.xml><?xml version="1.0" encoding="utf-8"?>
+<p:sld xmlns:a="http://schemas.openxmlformats.org/drawingml/2006/main" xmlns:r="http://schemas.openxmlformats.org/officeDocument/2006/relationships" xmlns:p="http://schemas.openxmlformats.org/presentationml/2006/main" show="0">
+  <p:cSld>
+    <p:spTree>
+      <p:nvGrpSpPr>
+        <p:cNvPr id="1" name=""/>
+        <p:cNvGrpSpPr/>
+        <p:nvPr/>
+      </p:nvGrpSpPr>
+      <p:grpSpPr>
+        <a:xfrm>
+          <a:off x="0" y="0"/>
+          <a:ext cx="0" cy="0"/>
+          <a:chOff x="0" y="0"/>
+          <a:chExt cx="0" cy="0"/>
+        </a:xfrm>
+      </p:grpSpPr>
+      <p:sp>
+        <p:nvSpPr>
+          <p:cNvPr id="68" name="제목 67">
+            <a:extLst>
+              <a:ext uri="{FF2B5EF4-FFF2-40B4-BE49-F238E27FC236}">
+                <a16:creationId xmlns:a16="http://schemas.microsoft.com/office/drawing/2014/main" id="{47C41D58-92C9-3126-4B6F-146E9CA82656}"/>
+              </a:ext>
+            </a:extLst>
+          </p:cNvPr>
+          <p:cNvSpPr>
+            <a:spLocks noGrp="1"/>
+          </p:cNvSpPr>
+          <p:nvPr>
+            <p:ph type="title"/>
+          </p:nvPr>
+        </p:nvSpPr>
+        <p:spPr>
+          <a:xfrm>
+            <a:off x="243840" y="90805"/>
+            <a:ext cx="731520" cy="473075"/>
+          </a:xfrm>
+        </p:spPr>
+        <p:txBody>
+          <a:bodyPr>
+            <a:normAutofit/>
+          </a:bodyPr>
+          <a:lstStyle/>
+          <a:p>
+            <a:r>
+              <a:rPr lang="en-US" altLang="ko-KR" sz="1800" dirty="0"/>
+              <a:t>F1</a:t>
+            </a:r>
+            <a:endParaRPr lang="ko-KR" altLang="en-US" sz="1800" dirty="0"/>
+          </a:p>
+        </p:txBody>
+      </p:sp>
+      <p:cxnSp>
+        <p:nvCxnSpPr>
+          <p:cNvPr id="61" name="연결선: 꺾임 60">
+            <a:extLst>
+              <a:ext uri="{FF2B5EF4-FFF2-40B4-BE49-F238E27FC236}">
+                <a16:creationId xmlns:a16="http://schemas.microsoft.com/office/drawing/2014/main" id="{1568F3AA-5648-D79C-7928-E34E1AF3083B}"/>
+              </a:ext>
+            </a:extLst>
+          </p:cNvPr>
+          <p:cNvCxnSpPr>
+            <a:cxnSpLocks/>
+            <a:stCxn id="63" idx="2"/>
+            <a:endCxn id="47" idx="3"/>
+          </p:cNvCxnSpPr>
+          <p:nvPr/>
+        </p:nvCxnSpPr>
+        <p:spPr>
+          <a:xfrm rot="5400000">
+            <a:off x="7499023" y="1560725"/>
+            <a:ext cx="468891" cy="2339424"/>
+          </a:xfrm>
+          <a:prstGeom prst="bentConnector2">
+            <a:avLst/>
+          </a:prstGeom>
+          <a:ln w="38100">
+            <a:headEnd type="oval" w="med" len="med"/>
+            <a:tailEnd type="triangle" w="med" len="med"/>
+          </a:ln>
+        </p:spPr>
+        <p:style>
+          <a:lnRef idx="1">
+            <a:schemeClr val="accent1"/>
+          </a:lnRef>
+          <a:fillRef idx="0">
+            <a:schemeClr val="accent1"/>
+          </a:fillRef>
+          <a:effectRef idx="0">
+            <a:schemeClr val="accent1"/>
+          </a:effectRef>
+          <a:fontRef idx="minor">
+            <a:schemeClr val="tx1"/>
+          </a:fontRef>
+        </p:style>
+      </p:cxnSp>
+      <p:cxnSp>
+        <p:nvCxnSpPr>
+          <p:cNvPr id="2" name="연결선: 꺾임 1">
+            <a:extLst>
+              <a:ext uri="{FF2B5EF4-FFF2-40B4-BE49-F238E27FC236}">
+                <a16:creationId xmlns:a16="http://schemas.microsoft.com/office/drawing/2014/main" id="{907163F7-2ED1-3990-20EB-23A75CBEB427}"/>
+              </a:ext>
+            </a:extLst>
+          </p:cNvPr>
+          <p:cNvCxnSpPr>
+            <a:cxnSpLocks/>
+            <a:stCxn id="49" idx="1"/>
+            <a:endCxn id="63" idx="1"/>
+          </p:cNvCxnSpPr>
+          <p:nvPr/>
+        </p:nvCxnSpPr>
+        <p:spPr>
+          <a:xfrm rot="10800000" flipH="1">
+            <a:off x="1409392" y="1403026"/>
+            <a:ext cx="6382278" cy="3319991"/>
+          </a:xfrm>
+          <a:prstGeom prst="bentConnector3">
+            <a:avLst>
+              <a:gd name="adj1" fmla="val -3582"/>
+            </a:avLst>
+          </a:prstGeom>
+          <a:ln w="38100">
+            <a:headEnd type="oval" w="med" len="med"/>
+            <a:tailEnd type="triangle" w="med" len="med"/>
+          </a:ln>
+        </p:spPr>
+        <p:style>
+          <a:lnRef idx="1">
+            <a:schemeClr val="accent1"/>
+          </a:lnRef>
+          <a:fillRef idx="0">
+            <a:schemeClr val="accent1"/>
+          </a:fillRef>
+          <a:effectRef idx="0">
+            <a:schemeClr val="accent1"/>
+          </a:effectRef>
+          <a:fontRef idx="minor">
+            <a:schemeClr val="tx1"/>
+          </a:fontRef>
+        </p:style>
+      </p:cxnSp>
+      <p:cxnSp>
+        <p:nvCxnSpPr>
+          <p:cNvPr id="44" name="연결선: 꺾임 43">
+            <a:extLst>
+              <a:ext uri="{FF2B5EF4-FFF2-40B4-BE49-F238E27FC236}">
+                <a16:creationId xmlns:a16="http://schemas.microsoft.com/office/drawing/2014/main" id="{EF2D0DB7-0E21-82DB-DB77-A29AE7AA45FF}"/>
+              </a:ext>
+            </a:extLst>
+          </p:cNvPr>
+          <p:cNvCxnSpPr>
+            <a:cxnSpLocks/>
+            <a:stCxn id="47" idx="2"/>
+            <a:endCxn id="49" idx="3"/>
+          </p:cNvCxnSpPr>
+          <p:nvPr/>
+        </p:nvCxnSpPr>
+        <p:spPr>
+          <a:xfrm rot="5400000">
+            <a:off x="4123775" y="3503407"/>
+            <a:ext cx="1486655" cy="952562"/>
+          </a:xfrm>
+          <a:prstGeom prst="bentConnector2">
+            <a:avLst/>
+          </a:prstGeom>
+          <a:ln w="38100">
+            <a:headEnd type="oval" w="med" len="med"/>
+            <a:tailEnd type="triangle" w="med" len="med"/>
+          </a:ln>
+        </p:spPr>
+        <p:style>
+          <a:lnRef idx="1">
+            <a:schemeClr val="accent1"/>
+          </a:lnRef>
+          <a:fillRef idx="0">
+            <a:schemeClr val="accent1"/>
+          </a:fillRef>
+          <a:effectRef idx="0">
+            <a:schemeClr val="accent1"/>
+          </a:effectRef>
+          <a:fontRef idx="minor">
+            <a:schemeClr val="tx1"/>
+          </a:fontRef>
+        </p:style>
+      </p:cxnSp>
+      <p:sp>
+        <p:nvSpPr>
+          <p:cNvPr id="51" name="직사각형 50">
+            <a:extLst>
+              <a:ext uri="{FF2B5EF4-FFF2-40B4-BE49-F238E27FC236}">
+                <a16:creationId xmlns:a16="http://schemas.microsoft.com/office/drawing/2014/main" id="{5CD706EE-A811-7E94-1C53-FE02FC90B5E1}"/>
+              </a:ext>
+            </a:extLst>
+          </p:cNvPr>
+          <p:cNvSpPr/>
+          <p:nvPr/>
+        </p:nvSpPr>
+        <p:spPr>
+          <a:xfrm>
+            <a:off x="9117529" y="4246335"/>
+            <a:ext cx="2201610" cy="476680"/>
+          </a:xfrm>
+          <a:prstGeom prst="rect">
+            <a:avLst/>
+          </a:prstGeom>
+          <a:solidFill>
+            <a:schemeClr val="accent2">
+              <a:lumMod val="50000"/>
+            </a:schemeClr>
+          </a:solidFill>
+          <a:ln>
+            <a:noFill/>
+          </a:ln>
+        </p:spPr>
+        <p:style>
+          <a:lnRef idx="0">
+            <a:scrgbClr r="0" g="0" b="0"/>
+          </a:lnRef>
+          <a:fillRef idx="0">
+            <a:scrgbClr r="0" g="0" b="0"/>
+          </a:fillRef>
+          <a:effectRef idx="0">
+            <a:scrgbClr r="0" g="0" b="0"/>
+          </a:effectRef>
+          <a:fontRef idx="minor">
+            <a:schemeClr val="lt1"/>
+          </a:fontRef>
+        </p:style>
+        <p:txBody>
+          <a:bodyPr rtlCol="0" anchor="t"/>
+          <a:lstStyle/>
+          <a:p>
+            <a:pPr algn="ctr"/>
+            <a:r>
+              <a:rPr lang="en-US" altLang="ko-KR" sz="1600" dirty="0">
+                <a:solidFill>
+                  <a:schemeClr val="bg1"/>
+                </a:solidFill>
+              </a:rPr>
+              <a:t>0IN</a:t>
+            </a:r>
+            <a:endParaRPr lang="ko-KR" altLang="en-US" sz="1600" dirty="0">
+              <a:solidFill>
+                <a:schemeClr val="bg1"/>
+              </a:solidFill>
+            </a:endParaRPr>
+          </a:p>
+        </p:txBody>
+      </p:sp>
+      <p:sp>
+        <p:nvSpPr>
+          <p:cNvPr id="87" name="직사각형 86">
+            <a:extLst>
+              <a:ext uri="{FF2B5EF4-FFF2-40B4-BE49-F238E27FC236}">
+                <a16:creationId xmlns:a16="http://schemas.microsoft.com/office/drawing/2014/main" id="{1A196384-CA46-1B38-A59F-C432D7F842BF}"/>
+              </a:ext>
+            </a:extLst>
+          </p:cNvPr>
+          <p:cNvSpPr/>
+          <p:nvPr/>
+        </p:nvSpPr>
+        <p:spPr>
+          <a:xfrm>
+            <a:off x="9775602" y="5493625"/>
+            <a:ext cx="2156759" cy="476680"/>
+          </a:xfrm>
+          <a:prstGeom prst="rect">
+            <a:avLst/>
+          </a:prstGeom>
+          <a:solidFill>
+            <a:schemeClr val="accent5">
+              <a:lumMod val="50000"/>
+            </a:schemeClr>
+          </a:solidFill>
+          <a:ln>
+            <a:noFill/>
+          </a:ln>
+        </p:spPr>
+        <p:style>
+          <a:lnRef idx="0">
+            <a:scrgbClr r="0" g="0" b="0"/>
+          </a:lnRef>
+          <a:fillRef idx="0">
+            <a:scrgbClr r="0" g="0" b="0"/>
+          </a:fillRef>
+          <a:effectRef idx="0">
+            <a:scrgbClr r="0" g="0" b="0"/>
+          </a:effectRef>
+          <a:fontRef idx="minor">
+            <a:schemeClr val="lt1"/>
+          </a:fontRef>
+        </p:style>
+        <p:txBody>
+          <a:bodyPr rtlCol="0" anchor="t"/>
+          <a:lstStyle/>
+          <a:p>
+            <a:pPr algn="ctr"/>
+            <a:r>
+              <a:rPr lang="en-US" altLang="ko-KR" sz="1600" dirty="0">
+                <a:solidFill>
+                  <a:schemeClr val="bg1"/>
+                </a:solidFill>
+              </a:rPr>
+              <a:t>A1Work</a:t>
+            </a:r>
+            <a:endParaRPr lang="ko-KR" altLang="en-US" sz="1600" dirty="0">
+              <a:solidFill>
+                <a:schemeClr val="bg1"/>
+              </a:solidFill>
+            </a:endParaRPr>
+          </a:p>
+        </p:txBody>
+      </p:sp>
+      <p:sp>
+        <p:nvSpPr>
+          <p:cNvPr id="89" name="직사각형 88">
+            <a:extLst>
+              <a:ext uri="{FF2B5EF4-FFF2-40B4-BE49-F238E27FC236}">
+                <a16:creationId xmlns:a16="http://schemas.microsoft.com/office/drawing/2014/main" id="{13725297-935D-31DE-D69F-03A1FFAB1816}"/>
+              </a:ext>
+            </a:extLst>
+          </p:cNvPr>
+          <p:cNvSpPr/>
+          <p:nvPr/>
+        </p:nvSpPr>
+        <p:spPr>
+          <a:xfrm>
+            <a:off x="6370100" y="6196552"/>
+            <a:ext cx="2201610" cy="476680"/>
+          </a:xfrm>
+          <a:prstGeom prst="rect">
+            <a:avLst/>
+          </a:prstGeom>
+          <a:solidFill>
+            <a:schemeClr val="accent6">
+              <a:lumMod val="60000"/>
+              <a:lumOff val="40000"/>
+            </a:schemeClr>
+          </a:solidFill>
+          <a:ln>
+            <a:noFill/>
+          </a:ln>
+        </p:spPr>
+        <p:style>
+          <a:lnRef idx="0">
+            <a:scrgbClr r="0" g="0" b="0"/>
+          </a:lnRef>
+          <a:fillRef idx="0">
+            <a:scrgbClr r="0" g="0" b="0"/>
+          </a:fillRef>
+          <a:effectRef idx="0">
+            <a:scrgbClr r="0" g="0" b="0"/>
+          </a:effectRef>
+          <a:fontRef idx="minor">
+            <a:schemeClr val="lt1"/>
+          </a:fontRef>
+        </p:style>
+        <p:txBody>
+          <a:bodyPr rtlCol="0" anchor="t"/>
+          <a:lstStyle/>
+          <a:p>
+            <a:pPr algn="ctr"/>
+            <a:r>
+              <a:rPr lang="en-US" altLang="ko-KR" sz="1600" dirty="0">
+                <a:solidFill>
+                  <a:schemeClr val="bg1"/>
+                </a:solidFill>
+              </a:rPr>
+              <a:t>5OUT PASS</a:t>
+            </a:r>
+            <a:endParaRPr lang="ko-KR" altLang="en-US" sz="1600" dirty="0">
+              <a:solidFill>
+                <a:schemeClr val="bg1"/>
+              </a:solidFill>
+            </a:endParaRPr>
+          </a:p>
+        </p:txBody>
+      </p:sp>
+      <p:cxnSp>
+        <p:nvCxnSpPr>
+          <p:cNvPr id="107" name="연결선: 꺾임 106">
+            <a:extLst>
+              <a:ext uri="{FF2B5EF4-FFF2-40B4-BE49-F238E27FC236}">
+                <a16:creationId xmlns:a16="http://schemas.microsoft.com/office/drawing/2014/main" id="{2FC9BF65-AC2A-49A2-3F2B-45F2356F637E}"/>
+              </a:ext>
+            </a:extLst>
+          </p:cNvPr>
+          <p:cNvCxnSpPr>
+            <a:cxnSpLocks/>
+            <a:stCxn id="87" idx="2"/>
+            <a:endCxn id="89" idx="3"/>
+          </p:cNvCxnSpPr>
+          <p:nvPr/>
+        </p:nvCxnSpPr>
+        <p:spPr>
+          <a:xfrm rot="5400000">
+            <a:off x="9480553" y="5061462"/>
+            <a:ext cx="464587" cy="2282272"/>
+          </a:xfrm>
+          <a:prstGeom prst="bentConnector2">
+            <a:avLst/>
+          </a:prstGeom>
+          <a:ln w="38100">
+            <a:headEnd type="oval" w="med" len="med"/>
+            <a:tailEnd type="triangle" w="med" len="med"/>
+          </a:ln>
+        </p:spPr>
+        <p:style>
+          <a:lnRef idx="1">
+            <a:schemeClr val="accent1"/>
+          </a:lnRef>
+          <a:fillRef idx="0">
+            <a:schemeClr val="accent1"/>
+          </a:fillRef>
+          <a:effectRef idx="0">
+            <a:schemeClr val="accent1"/>
+          </a:effectRef>
+          <a:fontRef idx="minor">
+            <a:schemeClr val="tx1"/>
+          </a:fontRef>
+        </p:style>
+      </p:cxnSp>
+      <p:cxnSp>
+        <p:nvCxnSpPr>
+          <p:cNvPr id="145" name="연결선: 꺾임 144">
+            <a:extLst>
+              <a:ext uri="{FF2B5EF4-FFF2-40B4-BE49-F238E27FC236}">
+                <a16:creationId xmlns:a16="http://schemas.microsoft.com/office/drawing/2014/main" id="{A0CD1DFB-3561-0603-F882-B9FF65485E65}"/>
+              </a:ext>
+            </a:extLst>
+          </p:cNvPr>
+          <p:cNvCxnSpPr>
+            <a:cxnSpLocks/>
+            <a:stCxn id="89" idx="1"/>
+            <a:endCxn id="51" idx="1"/>
+          </p:cNvCxnSpPr>
+          <p:nvPr/>
+        </p:nvCxnSpPr>
+        <p:spPr>
+          <a:xfrm rot="10800000" flipH="1">
+            <a:off x="6370099" y="4484676"/>
+            <a:ext cx="2747429" cy="1950217"/>
+          </a:xfrm>
+          <a:prstGeom prst="bentConnector3">
+            <a:avLst>
+              <a:gd name="adj1" fmla="val -8321"/>
+            </a:avLst>
+          </a:prstGeom>
+          <a:ln w="38100">
+            <a:headEnd type="oval" w="med" len="med"/>
+            <a:tailEnd type="triangle" w="med" len="med"/>
+          </a:ln>
+        </p:spPr>
+        <p:style>
+          <a:lnRef idx="1">
+            <a:schemeClr val="accent1"/>
+          </a:lnRef>
+          <a:fillRef idx="0">
+            <a:schemeClr val="accent1"/>
+          </a:fillRef>
+          <a:effectRef idx="0">
+            <a:schemeClr val="accent1"/>
+          </a:effectRef>
+          <a:fontRef idx="minor">
+            <a:schemeClr val="tx1"/>
+          </a:fontRef>
+        </p:style>
+      </p:cxnSp>
+      <p:cxnSp>
+        <p:nvCxnSpPr>
+          <p:cNvPr id="162" name="연결선: 꺾임 161">
+            <a:extLst>
+              <a:ext uri="{FF2B5EF4-FFF2-40B4-BE49-F238E27FC236}">
+                <a16:creationId xmlns:a16="http://schemas.microsoft.com/office/drawing/2014/main" id="{C18632F3-59B9-F902-53A6-6CCB371847CE}"/>
+              </a:ext>
+            </a:extLst>
+          </p:cNvPr>
+          <p:cNvCxnSpPr>
+            <a:cxnSpLocks/>
+            <a:stCxn id="4" idx="3"/>
+            <a:endCxn id="89" idx="3"/>
+          </p:cNvCxnSpPr>
+          <p:nvPr/>
+        </p:nvCxnSpPr>
+        <p:spPr>
+          <a:xfrm flipH="1">
+            <a:off x="8571710" y="5482914"/>
+            <a:ext cx="613222" cy="951978"/>
+          </a:xfrm>
+          <a:prstGeom prst="bentConnector3">
+            <a:avLst>
+              <a:gd name="adj1" fmla="val -37279"/>
+            </a:avLst>
+          </a:prstGeom>
+          <a:ln w="38100">
+            <a:tailEnd type="triangle"/>
+          </a:ln>
+        </p:spPr>
+        <p:style>
+          <a:lnRef idx="1">
+            <a:schemeClr val="accent1"/>
+          </a:lnRef>
+          <a:fillRef idx="0">
+            <a:schemeClr val="accent1"/>
+          </a:fillRef>
+          <a:effectRef idx="0">
+            <a:schemeClr val="accent1"/>
+          </a:effectRef>
+          <a:fontRef idx="minor">
+            <a:schemeClr val="tx1"/>
+          </a:fontRef>
+        </p:style>
+      </p:cxnSp>
+      <p:sp>
+        <p:nvSpPr>
+          <p:cNvPr id="4" name="직사각형 3">
+            <a:extLst>
+              <a:ext uri="{FF2B5EF4-FFF2-40B4-BE49-F238E27FC236}">
+                <a16:creationId xmlns:a16="http://schemas.microsoft.com/office/drawing/2014/main" id="{694B9EA1-0081-D8F9-24FF-5A830DCA52AA}"/>
+              </a:ext>
+            </a:extLst>
+          </p:cNvPr>
+          <p:cNvSpPr/>
+          <p:nvPr/>
+        </p:nvSpPr>
+        <p:spPr>
+          <a:xfrm>
+            <a:off x="7028173" y="5244574"/>
+            <a:ext cx="2156759" cy="476680"/>
+          </a:xfrm>
+          <a:prstGeom prst="rect">
+            <a:avLst/>
+          </a:prstGeom>
+          <a:solidFill>
+            <a:schemeClr val="accent5">
+              <a:lumMod val="50000"/>
+            </a:schemeClr>
+          </a:solidFill>
+          <a:ln>
+            <a:noFill/>
+          </a:ln>
+        </p:spPr>
+        <p:style>
+          <a:lnRef idx="0">
+            <a:scrgbClr r="0" g="0" b="0"/>
+          </a:lnRef>
+          <a:fillRef idx="0">
+            <a:scrgbClr r="0" g="0" b="0"/>
+          </a:fillRef>
+          <a:effectRef idx="0">
+            <a:scrgbClr r="0" g="0" b="0"/>
+          </a:effectRef>
+          <a:fontRef idx="minor">
+            <a:schemeClr val="lt1"/>
+          </a:fontRef>
+        </p:style>
+        <p:txBody>
+          <a:bodyPr rtlCol="0" anchor="t"/>
+          <a:lstStyle/>
+          <a:p>
+            <a:pPr algn="ctr"/>
+            <a:r>
+              <a:rPr lang="en-US" altLang="ko-KR" sz="1600" dirty="0">
+                <a:solidFill>
+                  <a:schemeClr val="bg1"/>
+                </a:solidFill>
+              </a:rPr>
+              <a:t>PART_NONE</a:t>
+            </a:r>
+            <a:endParaRPr lang="ko-KR" altLang="en-US" sz="1600" dirty="0">
+              <a:solidFill>
+                <a:schemeClr val="bg1"/>
+              </a:solidFill>
+            </a:endParaRPr>
+          </a:p>
+        </p:txBody>
+      </p:sp>
+      <p:sp>
+        <p:nvSpPr>
+          <p:cNvPr id="8" name="직사각형 7">
+            <a:extLst>
+              <a:ext uri="{FF2B5EF4-FFF2-40B4-BE49-F238E27FC236}">
+                <a16:creationId xmlns:a16="http://schemas.microsoft.com/office/drawing/2014/main" id="{54796180-F926-08DE-2501-A7BBA36E51CF}"/>
+              </a:ext>
+            </a:extLst>
+          </p:cNvPr>
+          <p:cNvSpPr/>
+          <p:nvPr/>
+        </p:nvSpPr>
+        <p:spPr>
+          <a:xfrm>
+            <a:off x="2968365" y="5901161"/>
+            <a:ext cx="2156759" cy="476680"/>
+          </a:xfrm>
+          <a:prstGeom prst="rect">
+            <a:avLst/>
+          </a:prstGeom>
+          <a:solidFill>
+            <a:schemeClr val="accent5">
+              <a:lumMod val="50000"/>
+            </a:schemeClr>
+          </a:solidFill>
+          <a:ln>
+            <a:noFill/>
+          </a:ln>
+        </p:spPr>
+        <p:style>
+          <a:lnRef idx="0">
+            <a:scrgbClr r="0" g="0" b="0"/>
+          </a:lnRef>
+          <a:fillRef idx="0">
+            <a:scrgbClr r="0" g="0" b="0"/>
+          </a:fillRef>
+          <a:effectRef idx="0">
+            <a:scrgbClr r="0" g="0" b="0"/>
+          </a:effectRef>
+          <a:fontRef idx="minor">
+            <a:schemeClr val="lt1"/>
+          </a:fontRef>
+        </p:style>
+        <p:txBody>
+          <a:bodyPr rtlCol="0" anchor="t"/>
+          <a:lstStyle/>
+          <a:p>
+            <a:pPr algn="ctr"/>
+            <a:r>
+              <a:rPr lang="en-US" altLang="ko-KR" sz="1600" dirty="0">
+                <a:solidFill>
+                  <a:schemeClr val="bg1"/>
+                </a:solidFill>
+              </a:rPr>
+              <a:t>PART_ON</a:t>
+            </a:r>
+            <a:endParaRPr lang="ko-KR" altLang="en-US" sz="1600" dirty="0">
+              <a:solidFill>
+                <a:schemeClr val="bg1"/>
+              </a:solidFill>
+            </a:endParaRPr>
+          </a:p>
+        </p:txBody>
+      </p:sp>
+      <p:cxnSp>
+        <p:nvCxnSpPr>
+          <p:cNvPr id="9" name="연결선: 꺾임 8">
+            <a:extLst>
+              <a:ext uri="{FF2B5EF4-FFF2-40B4-BE49-F238E27FC236}">
+                <a16:creationId xmlns:a16="http://schemas.microsoft.com/office/drawing/2014/main" id="{1E337306-0325-F4B6-5040-CF9AD35DC3BB}"/>
+              </a:ext>
+            </a:extLst>
+          </p:cNvPr>
+          <p:cNvCxnSpPr>
+            <a:cxnSpLocks/>
+            <a:stCxn id="8" idx="3"/>
+            <a:endCxn id="49" idx="3"/>
+          </p:cNvCxnSpPr>
+          <p:nvPr/>
+        </p:nvCxnSpPr>
+        <p:spPr>
+          <a:xfrm flipH="1" flipV="1">
+            <a:off x="4390821" y="4723016"/>
+            <a:ext cx="734303" cy="1416485"/>
+          </a:xfrm>
+          <a:prstGeom prst="bentConnector3">
+            <a:avLst>
+              <a:gd name="adj1" fmla="val -31132"/>
+            </a:avLst>
+          </a:prstGeom>
+          <a:ln w="38100">
+            <a:tailEnd type="triangle"/>
+          </a:ln>
+        </p:spPr>
+        <p:style>
+          <a:lnRef idx="1">
+            <a:schemeClr val="accent1"/>
+          </a:lnRef>
+          <a:fillRef idx="0">
+            <a:schemeClr val="accent1"/>
+          </a:fillRef>
+          <a:effectRef idx="0">
+            <a:schemeClr val="accent1"/>
+          </a:effectRef>
+          <a:fontRef idx="minor">
+            <a:schemeClr val="tx1"/>
+          </a:fontRef>
+        </p:style>
+      </p:cxnSp>
+      <p:sp>
+        <p:nvSpPr>
+          <p:cNvPr id="47" name="직사각형 46">
+            <a:extLst>
+              <a:ext uri="{FF2B5EF4-FFF2-40B4-BE49-F238E27FC236}">
+                <a16:creationId xmlns:a16="http://schemas.microsoft.com/office/drawing/2014/main" id="{300FA230-197D-1CFD-796F-3CC8CC8A0328}"/>
+              </a:ext>
+            </a:extLst>
+          </p:cNvPr>
+          <p:cNvSpPr/>
+          <p:nvPr/>
+        </p:nvSpPr>
+        <p:spPr>
+          <a:xfrm>
+            <a:off x="4123010" y="2693405"/>
+            <a:ext cx="2440746" cy="542956"/>
+          </a:xfrm>
+          <a:prstGeom prst="rect">
+            <a:avLst/>
+          </a:prstGeom>
+          <a:solidFill>
+            <a:schemeClr val="accent5">
+              <a:lumMod val="50000"/>
+            </a:schemeClr>
+          </a:solidFill>
+          <a:ln>
+            <a:noFill/>
+          </a:ln>
+        </p:spPr>
+        <p:style>
+          <a:lnRef idx="0">
+            <a:scrgbClr r="0" g="0" b="0"/>
+          </a:lnRef>
+          <a:fillRef idx="0">
+            <a:scrgbClr r="0" g="0" b="0"/>
+          </a:fillRef>
+          <a:effectRef idx="0">
+            <a:scrgbClr r="0" g="0" b="0"/>
+          </a:effectRef>
+          <a:fontRef idx="minor">
+            <a:schemeClr val="lt1"/>
+          </a:fontRef>
+        </p:style>
+        <p:txBody>
+          <a:bodyPr rtlCol="0" anchor="t"/>
+          <a:lstStyle/>
+          <a:p>
+            <a:pPr algn="ctr"/>
+            <a:r>
+              <a:rPr lang="en-US" altLang="ko-KR" sz="1600" dirty="0">
+                <a:solidFill>
+                  <a:schemeClr val="bg1"/>
+                </a:solidFill>
+              </a:rPr>
+              <a:t>A1Work</a:t>
+            </a:r>
+            <a:endParaRPr lang="ko-KR" altLang="en-US" sz="1600" dirty="0">
+              <a:solidFill>
+                <a:schemeClr val="bg1"/>
+              </a:solidFill>
+            </a:endParaRPr>
+          </a:p>
+        </p:txBody>
+      </p:sp>
+      <p:sp>
+        <p:nvSpPr>
+          <p:cNvPr id="49" name="직사각형 48">
+            <a:extLst>
+              <a:ext uri="{FF2B5EF4-FFF2-40B4-BE49-F238E27FC236}">
+                <a16:creationId xmlns:a16="http://schemas.microsoft.com/office/drawing/2014/main" id="{E4ED8D45-B95A-2D53-5894-EA36F385BBF1}"/>
+              </a:ext>
+            </a:extLst>
+          </p:cNvPr>
+          <p:cNvSpPr/>
+          <p:nvPr/>
+        </p:nvSpPr>
+        <p:spPr>
+          <a:xfrm>
+            <a:off x="1409392" y="4323500"/>
+            <a:ext cx="2981429" cy="799031"/>
+          </a:xfrm>
+          <a:prstGeom prst="rect">
+            <a:avLst/>
+          </a:prstGeom>
+          <a:solidFill>
+            <a:schemeClr val="accent6">
+              <a:lumMod val="50000"/>
+            </a:schemeClr>
+          </a:solidFill>
+          <a:ln>
+            <a:noFill/>
+          </a:ln>
+        </p:spPr>
+        <p:style>
+          <a:lnRef idx="0">
+            <a:scrgbClr r="0" g="0" b="0"/>
+          </a:lnRef>
+          <a:fillRef idx="0">
+            <a:scrgbClr r="0" g="0" b="0"/>
+          </a:fillRef>
+          <a:effectRef idx="0">
+            <a:scrgbClr r="0" g="0" b="0"/>
+          </a:effectRef>
+          <a:fontRef idx="minor">
+            <a:schemeClr val="lt1"/>
+          </a:fontRef>
+        </p:style>
+        <p:txBody>
+          <a:bodyPr rtlCol="0" anchor="t"/>
+          <a:lstStyle/>
+          <a:p>
+            <a:pPr algn="ctr"/>
+            <a:r>
+              <a:rPr lang="en-US" altLang="ko-KR" dirty="0">
+                <a:solidFill>
+                  <a:schemeClr val="bg1"/>
+                </a:solidFill>
+              </a:rPr>
+              <a:t>5OUT</a:t>
+            </a:r>
+            <a:endParaRPr lang="ko-KR" altLang="en-US" dirty="0">
+              <a:solidFill>
+                <a:schemeClr val="bg1"/>
+              </a:solidFill>
+            </a:endParaRPr>
+          </a:p>
+        </p:txBody>
+      </p:sp>
+      <p:sp>
+        <p:nvSpPr>
+          <p:cNvPr id="63" name="직사각형 62">
+            <a:extLst>
+              <a:ext uri="{FF2B5EF4-FFF2-40B4-BE49-F238E27FC236}">
+                <a16:creationId xmlns:a16="http://schemas.microsoft.com/office/drawing/2014/main" id="{2F937871-ECB5-D22C-D176-C12CEBA28898}"/>
+              </a:ext>
+            </a:extLst>
+          </p:cNvPr>
+          <p:cNvSpPr/>
+          <p:nvPr/>
+        </p:nvSpPr>
+        <p:spPr>
+          <a:xfrm>
+            <a:off x="7791670" y="310057"/>
+            <a:ext cx="2223020" cy="2185935"/>
+          </a:xfrm>
+          <a:prstGeom prst="rect">
+            <a:avLst/>
+          </a:prstGeom>
+          <a:solidFill>
+            <a:schemeClr val="accent2">
+              <a:lumMod val="50000"/>
+            </a:schemeClr>
+          </a:solidFill>
+          <a:ln>
+            <a:noFill/>
+          </a:ln>
+        </p:spPr>
+        <p:style>
+          <a:lnRef idx="0">
+            <a:scrgbClr r="0" g="0" b="0"/>
+          </a:lnRef>
+          <a:fillRef idx="0">
+            <a:scrgbClr r="0" g="0" b="0"/>
+          </a:fillRef>
+          <a:effectRef idx="0">
+            <a:scrgbClr r="0" g="0" b="0"/>
+          </a:effectRef>
+          <a:fontRef idx="minor">
+            <a:schemeClr val="lt1"/>
+          </a:fontRef>
+        </p:style>
+        <p:txBody>
+          <a:bodyPr rtlCol="0" anchor="t"/>
+          <a:lstStyle/>
+          <a:p>
+            <a:pPr algn="ctr"/>
+            <a:r>
+              <a:rPr lang="en-US" altLang="ko-KR" sz="1600" dirty="0">
+                <a:solidFill>
+                  <a:schemeClr val="bg1"/>
+                </a:solidFill>
+              </a:rPr>
+              <a:t>0IN</a:t>
+            </a:r>
+            <a:endParaRPr lang="ko-KR" altLang="en-US" sz="1600" dirty="0">
+              <a:solidFill>
+                <a:schemeClr val="bg1"/>
+              </a:solidFill>
+            </a:endParaRPr>
+          </a:p>
+        </p:txBody>
+      </p:sp>
+    </p:spTree>
+    <p:extLst>
+      <p:ext uri="{BB962C8B-B14F-4D97-AF65-F5344CB8AC3E}">
+        <p14:creationId xmlns:p14="http://schemas.microsoft.com/office/powerpoint/2010/main" val="4177791417"/>
       </p:ext>
     </p:extLst>
   </p:cSld>
